--- a/experience/slides/realisation/D.pptx
+++ b/experience/slides/realisation/D.pptx
@@ -4690,7 +4690,7 @@
         </p:blipFill>
         <p:spPr>
           <a:xfrm>
-            <a:off x="0" y="47103"/>
+            <a:off x="1694" y="23551"/>
             <a:ext cx="5757756" cy="3192985"/>
           </a:xfrm>
           <a:prstGeom prst="rect">
